--- a/docs/diagrams/TrackDeleteCommandSequenceDiagram.pptx
+++ b/docs/diagrams/TrackDeleteCommandSequenceDiagram.pptx
@@ -3129,8 +3129,8 @@
         </p:nvSpPr>
         <p:spPr>
           <a:xfrm>
-            <a:off x="1191748" y="480098"/>
-            <a:ext cx="8530063" cy="5988339"/>
+            <a:off x="563878" y="480098"/>
+            <a:ext cx="9157933" cy="5988339"/>
           </a:xfrm>
           <a:prstGeom prst="roundRect">
             <a:avLst>
@@ -4480,8 +4480,8 @@
         </p:nvCxnSpPr>
         <p:spPr>
           <a:xfrm flipV="1">
-            <a:off x="1191748" y="6103657"/>
-            <a:ext cx="2031250" cy="10337"/>
+            <a:off x="563878" y="6103658"/>
+            <a:ext cx="2659120" cy="13531"/>
           </a:xfrm>
           <a:prstGeom prst="straightConnector1">
             <a:avLst/>
